--- a/subject notes/dbms/ch3 introduction to sql.pptx
+++ b/subject notes/dbms/ch3 introduction to sql.pptx
@@ -8950,9 +8950,104 @@
         </p:nvSpPr>
         <p:spPr/>
         <p:txBody>
-          <a:bodyPr/>
+          <a:bodyPr>
+            <a:normAutofit fontScale="92500" lnSpcReduction="10000"/>
+          </a:bodyPr>
           <a:lstStyle/>
           <a:p>
+            <a:r>
+              <a:rPr lang="en-IN" dirty="0" smtClean="0"/>
+              <a:t>It provides a way of </a:t>
+            </a:r>
+            <a:r>
+              <a:rPr lang="en-IN" dirty="0" err="1" smtClean="0"/>
+              <a:t>defiining</a:t>
+            </a:r>
+            <a:r>
+              <a:rPr lang="en-IN" dirty="0" smtClean="0"/>
+              <a:t> </a:t>
+            </a:r>
+            <a:r>
+              <a:rPr lang="en-IN" dirty="0" smtClean="0"/>
+              <a:t>a temporary relation whose definition is available only to the query in which the with clause occurs.</a:t>
+            </a:r>
+          </a:p>
+          <a:p>
+            <a:r>
+              <a:rPr lang="en-IN" dirty="0" smtClean="0"/>
+              <a:t>Find those departments with maximum budget.</a:t>
+            </a:r>
+          </a:p>
+          <a:p>
+            <a:pPr lvl="1"/>
+            <a:r>
+              <a:rPr lang="en-IN" dirty="0" smtClean="0"/>
+              <a:t>With </a:t>
+            </a:r>
+            <a:r>
+              <a:rPr lang="en-IN" dirty="0" err="1" smtClean="0"/>
+              <a:t>max_budget</a:t>
+            </a:r>
+            <a:r>
+              <a:rPr lang="en-IN" dirty="0" smtClean="0"/>
+              <a:t>(value) as</a:t>
+            </a:r>
+          </a:p>
+          <a:p>
+            <a:pPr lvl="2"/>
+            <a:r>
+              <a:rPr lang="en-IN" dirty="0" smtClean="0"/>
+              <a:t>(select max(budget)</a:t>
+            </a:r>
+          </a:p>
+          <a:p>
+            <a:pPr lvl="2"/>
+            <a:r>
+              <a:rPr lang="en-IN" dirty="0" smtClean="0"/>
+              <a:t>From department)</a:t>
+            </a:r>
+          </a:p>
+          <a:p>
+            <a:pPr lvl="1"/>
+            <a:r>
+              <a:rPr lang="en-IN" dirty="0" smtClean="0"/>
+              <a:t>Select budget</a:t>
+            </a:r>
+          </a:p>
+          <a:p>
+            <a:pPr lvl="1"/>
+            <a:r>
+              <a:rPr lang="en-IN" dirty="0" smtClean="0"/>
+              <a:t>From department, </a:t>
+            </a:r>
+            <a:r>
+              <a:rPr lang="en-IN" dirty="0" err="1" smtClean="0"/>
+              <a:t>max_budget</a:t>
+            </a:r>
+            <a:endParaRPr lang="en-IN" dirty="0" smtClean="0"/>
+          </a:p>
+          <a:p>
+            <a:pPr lvl="1"/>
+            <a:r>
+              <a:rPr lang="en-IN" dirty="0" smtClean="0"/>
+              <a:t>Where </a:t>
+            </a:r>
+            <a:r>
+              <a:rPr lang="en-IN" dirty="0" err="1" smtClean="0"/>
+              <a:t>department.budget</a:t>
+            </a:r>
+            <a:r>
+              <a:rPr lang="en-IN" dirty="0" smtClean="0"/>
+              <a:t> = </a:t>
+            </a:r>
+            <a:r>
+              <a:rPr lang="en-IN" dirty="0" err="1" smtClean="0"/>
+              <a:t>max_budget.value</a:t>
+            </a:r>
+            <a:r>
+              <a:rPr lang="en-IN" smtClean="0"/>
+              <a:t>;</a:t>
+            </a:r>
             <a:endParaRPr lang="en-US" dirty="0"/>
           </a:p>
         </p:txBody>
